--- a/templates/minimal_gray.pptx
+++ b/templates/minimal_gray.pptx
@@ -3546,42 +3546,42 @@
 <file path=ppt/theme/theme1.xml><?xml version="1.0" encoding="utf-8"?>
 <a:theme xmlns:a="http://schemas.openxmlformats.org/drawingml/2006/main" name="Paquete">
   <a:themeElements>
-    <a:clrScheme name="Paquete">
+    <a:clrScheme name="Escala de grises">
       <a:dk1>
-        <a:srgbClr val="000000"/>
+        <a:sysClr val="windowText" lastClr="000000"/>
       </a:dk1>
       <a:lt1>
-        <a:srgbClr val="FFFFFF"/>
+        <a:sysClr val="window" lastClr="FFFFFF"/>
       </a:lt1>
       <a:dk2>
-        <a:srgbClr val="4A5356"/>
+        <a:srgbClr val="000000"/>
       </a:dk2>
       <a:lt2>
-        <a:srgbClr val="E8E3CE"/>
+        <a:srgbClr val="F8F8F8"/>
       </a:lt2>
       <a:accent1>
-        <a:srgbClr val="F6A21D"/>
+        <a:srgbClr val="DDDDDD"/>
       </a:accent1>
       <a:accent2>
-        <a:srgbClr val="9BAFB5"/>
+        <a:srgbClr val="B2B2B2"/>
       </a:accent2>
       <a:accent3>
-        <a:srgbClr val="C96731"/>
+        <a:srgbClr val="969696"/>
       </a:accent3>
       <a:accent4>
-        <a:srgbClr val="9CA383"/>
+        <a:srgbClr val="808080"/>
       </a:accent4>
       <a:accent5>
-        <a:srgbClr val="87795D"/>
+        <a:srgbClr val="5F5F5F"/>
       </a:accent5>
       <a:accent6>
-        <a:srgbClr val="A0988C"/>
+        <a:srgbClr val="4D4D4D"/>
       </a:accent6>
       <a:hlink>
-        <a:srgbClr val="00B0F0"/>
+        <a:srgbClr val="5F5F5F"/>
       </a:hlink>
       <a:folHlink>
-        <a:srgbClr val="738F97"/>
+        <a:srgbClr val="919191"/>
       </a:folHlink>
     </a:clrScheme>
     <a:fontScheme name="Paquete">
